--- a/Full Stack .NET Core.pptx
+++ b/Full Stack .NET Core.pptx
@@ -552,7 +552,7 @@
           <a:p>
             <a:fld id="{C764DE79-268F-4C1A-8933-263129D2AF90}" type="datetimeFigureOut">
               <a:rPr lang="en-US" dirty="0"/>
-              <a:t>7/30/2018</a:t>
+              <a:t>8/14/2018</a:t>
             </a:fld>
             <a:endParaRPr lang="en-US" dirty="0"/>
           </a:p>
@@ -717,7 +717,7 @@
           <a:p>
             <a:fld id="{C764DE79-268F-4C1A-8933-263129D2AF90}" type="datetimeFigureOut">
               <a:rPr lang="en-US" dirty="0"/>
-              <a:t>7/30/2018</a:t>
+              <a:t>8/14/2018</a:t>
             </a:fld>
             <a:endParaRPr lang="en-US" dirty="0"/>
           </a:p>
@@ -892,7 +892,7 @@
           <a:p>
             <a:fld id="{C764DE79-268F-4C1A-8933-263129D2AF90}" type="datetimeFigureOut">
               <a:rPr lang="en-US" dirty="0"/>
-              <a:t>7/30/2018</a:t>
+              <a:t>8/14/2018</a:t>
             </a:fld>
             <a:endParaRPr lang="en-US" dirty="0"/>
           </a:p>
@@ -1057,7 +1057,7 @@
           <a:p>
             <a:fld id="{C764DE79-268F-4C1A-8933-263129D2AF90}" type="datetimeFigureOut">
               <a:rPr lang="en-US" dirty="0"/>
-              <a:t>7/30/2018</a:t>
+              <a:t>8/14/2018</a:t>
             </a:fld>
             <a:endParaRPr lang="en-US" dirty="0"/>
           </a:p>
@@ -1298,7 +1298,7 @@
           <a:p>
             <a:fld id="{C764DE79-268F-4C1A-8933-263129D2AF90}" type="datetimeFigureOut">
               <a:rPr lang="en-US" dirty="0"/>
-              <a:t>7/30/2018</a:t>
+              <a:t>8/14/2018</a:t>
             </a:fld>
             <a:endParaRPr lang="en-US" dirty="0"/>
           </a:p>
@@ -1525,7 +1525,7 @@
           <a:p>
             <a:fld id="{C764DE79-268F-4C1A-8933-263129D2AF90}" type="datetimeFigureOut">
               <a:rPr lang="en-US" dirty="0"/>
-              <a:t>7/30/2018</a:t>
+              <a:t>8/14/2018</a:t>
             </a:fld>
             <a:endParaRPr lang="en-US" dirty="0"/>
           </a:p>
@@ -1887,7 +1887,7 @@
           <a:p>
             <a:fld id="{C764DE79-268F-4C1A-8933-263129D2AF90}" type="datetimeFigureOut">
               <a:rPr lang="en-US" dirty="0"/>
-              <a:t>7/30/2018</a:t>
+              <a:t>8/14/2018</a:t>
             </a:fld>
             <a:endParaRPr lang="en-US" dirty="0"/>
           </a:p>
@@ -2000,7 +2000,7 @@
           <a:p>
             <a:fld id="{C764DE79-268F-4C1A-8933-263129D2AF90}" type="datetimeFigureOut">
               <a:rPr lang="en-US" dirty="0"/>
-              <a:t>7/30/2018</a:t>
+              <a:t>8/14/2018</a:t>
             </a:fld>
             <a:endParaRPr lang="en-US" dirty="0"/>
           </a:p>
@@ -2090,7 +2090,7 @@
           <a:p>
             <a:fld id="{C764DE79-268F-4C1A-8933-263129D2AF90}" type="datetimeFigureOut">
               <a:rPr lang="en-US" dirty="0"/>
-              <a:t>7/30/2018</a:t>
+              <a:t>8/14/2018</a:t>
             </a:fld>
             <a:endParaRPr lang="en-US" dirty="0"/>
           </a:p>
@@ -2362,7 +2362,7 @@
           <a:p>
             <a:fld id="{C764DE79-268F-4C1A-8933-263129D2AF90}" type="datetimeFigureOut">
               <a:rPr lang="en-US" dirty="0"/>
-              <a:t>7/30/2018</a:t>
+              <a:t>8/14/2018</a:t>
             </a:fld>
             <a:endParaRPr lang="en-US" dirty="0"/>
           </a:p>
@@ -2614,7 +2614,7 @@
           <a:p>
             <a:fld id="{C764DE79-268F-4C1A-8933-263129D2AF90}" type="datetimeFigureOut">
               <a:rPr lang="en-US" dirty="0"/>
-              <a:t>7/30/2018</a:t>
+              <a:t>8/14/2018</a:t>
             </a:fld>
             <a:endParaRPr lang="en-US" dirty="0"/>
           </a:p>
@@ -2822,7 +2822,7 @@
           <a:p>
             <a:fld id="{C764DE79-268F-4C1A-8933-263129D2AF90}" type="datetimeFigureOut">
               <a:rPr lang="en-US" dirty="0"/>
-              <a:t>7/30/2018</a:t>
+              <a:t>8/14/2018</a:t>
             </a:fld>
             <a:endParaRPr lang="en-US" dirty="0"/>
           </a:p>
@@ -3498,8 +3498,8 @@
         </p:nvSpPr>
         <p:spPr>
           <a:xfrm>
-            <a:off x="838200" y="4950941"/>
-            <a:ext cx="10515600" cy="963827"/>
+            <a:off x="838200" y="4374293"/>
+            <a:ext cx="10515600" cy="1540476"/>
           </a:xfrm>
           <a:prstGeom prst="rect">
             <a:avLst/>
@@ -3507,7 +3507,7 @@
         </p:spPr>
         <p:txBody>
           <a:bodyPr vert="horz" lIns="91440" tIns="45720" rIns="91440" bIns="45720" rtlCol="0">
-            <a:normAutofit lnSpcReduction="10000"/>
+            <a:normAutofit/>
           </a:bodyPr>
           <a:lstStyle>
             <a:lvl1pPr marL="228600" indent="-228600" algn="l" defTabSz="914400" rtl="0" eaLnBrk="1" latinLnBrk="0" hangingPunct="1">
@@ -3702,6 +3702,38 @@
               </a:rPr>
               <a:t>dotnetdev@biegner.de</a:t>
             </a:r>
+          </a:p>
+          <a:p>
+            <a:pPr marL="0" indent="0" algn="r">
+              <a:buNone/>
+            </a:pPr>
+            <a:r>
+              <a:rPr lang="de-DE" dirty="0">
+                <a:solidFill>
+                  <a:schemeClr val="bg1">
+                    <a:lumMod val="50000"/>
+                  </a:schemeClr>
+                </a:solidFill>
+              </a:rPr>
+              <a:t>github.com/</a:t>
+            </a:r>
+            <a:r>
+              <a:rPr lang="de-DE" dirty="0" err="1">
+                <a:solidFill>
+                  <a:schemeClr val="bg1">
+                    <a:lumMod val="50000"/>
+                  </a:schemeClr>
+                </a:solidFill>
+              </a:rPr>
+              <a:t>cbiegner</a:t>
+            </a:r>
+            <a:endParaRPr lang="de-DE" dirty="0">
+              <a:solidFill>
+                <a:schemeClr val="bg1">
+                  <a:lumMod val="50000"/>
+                </a:schemeClr>
+              </a:solidFill>
+            </a:endParaRPr>
           </a:p>
         </p:txBody>
       </p:sp>
